--- a/B-6 미니프로젝트 발표자료.pptx
+++ b/B-6 미니프로젝트 발표자료.pptx
@@ -111,6 +111,11 @@
       </a:defRPr>
     </a:lvl9pPr>
   </p:defaultTextStyle>
+  <p:extLst>
+    <p:ext uri="{EFAFB233-063F-42B5-8137-9DF3F51BA10A}">
+      <p15:sldGuideLst xmlns:p15="http://schemas.microsoft.com/office/powerpoint/2012/main"/>
+    </p:ext>
+  </p:extLst>
 </p:presentation>
 </file>
 
@@ -7931,6 +7936,64 @@
                 <a:cs typeface="Courier New" panose="02070309020205020404" pitchFamily="49" charset="0"/>
               </a:rPr>
               <a:t> 활성화</a:t>
+            </a:r>
+            <a:endParaRPr lang="en-US" altLang="ko-KR" sz="900" dirty="0">
+              <a:solidFill>
+                <a:schemeClr val="bg1"/>
+              </a:solidFill>
+              <a:latin typeface="Courier New" panose="02070309020205020404" pitchFamily="49" charset="0"/>
+              <a:cs typeface="Courier New" panose="02070309020205020404" pitchFamily="49" charset="0"/>
+            </a:endParaRPr>
+          </a:p>
+          <a:p>
+            <a:pPr marL="0" indent="0">
+              <a:lnSpc>
+                <a:spcPct val="0"/>
+              </a:lnSpc>
+              <a:spcBef>
+                <a:spcPts val="900"/>
+              </a:spcBef>
+              <a:buNone/>
+            </a:pPr>
+            <a:r>
+              <a:rPr lang="en-US" altLang="ko-KR" sz="900" dirty="0">
+                <a:solidFill>
+                  <a:schemeClr val="bg1"/>
+                </a:solidFill>
+                <a:latin typeface="Courier New" panose="02070309020205020404" pitchFamily="49" charset="0"/>
+                <a:cs typeface="Courier New" panose="02070309020205020404" pitchFamily="49" charset="0"/>
+              </a:rPr>
+              <a:t>        </a:t>
+            </a:r>
+            <a:r>
+              <a:rPr lang="en-US" altLang="ko-KR" sz="900" dirty="0" err="1">
+                <a:solidFill>
+                  <a:schemeClr val="bg1"/>
+                </a:solidFill>
+                <a:latin typeface="Courier New" panose="02070309020205020404" pitchFamily="49" charset="0"/>
+                <a:cs typeface="Courier New" panose="02070309020205020404" pitchFamily="49" charset="0"/>
+              </a:rPr>
+              <a:t>button.SetActive</a:t>
+            </a:r>
+            <a:r>
+              <a:rPr lang="en-US" altLang="ko-KR" sz="900" dirty="0">
+                <a:solidFill>
+                  <a:schemeClr val="bg1"/>
+                </a:solidFill>
+                <a:latin typeface="Courier New" panose="02070309020205020404" pitchFamily="49" charset="0"/>
+                <a:cs typeface="Courier New" panose="02070309020205020404" pitchFamily="49" charset="0"/>
+              </a:rPr>
+              <a:t>(false); // </a:t>
+            </a:r>
+            <a:r>
+              <a:rPr lang="ko-KR" altLang="en-US" sz="900" dirty="0">
+                <a:solidFill>
+                  <a:schemeClr val="bg1"/>
+                </a:solidFill>
+                <a:latin typeface="Courier New" panose="02070309020205020404" pitchFamily="49" charset="0"/>
+                <a:cs typeface="Courier New" panose="02070309020205020404" pitchFamily="49" charset="0"/>
+              </a:rPr>
+              <a:t>카드에 들어 있는 버튼 비활성화</a:t>
             </a:r>
             <a:endParaRPr lang="en-US" altLang="ko-KR" sz="900" dirty="0">
               <a:solidFill>
